--- a/Text_classification.pptx
+++ b/Text_classification.pptx
@@ -115,6 +115,11 @@
       </a:defRPr>
     </a:lvl9pPr>
   </p:defaultTextStyle>
+  <p:extLst>
+    <p:ext uri="{EFAFB233-063F-42B5-8137-9DF3F51BA10A}">
+      <p15:sldGuideLst xmlns:p15="http://schemas.microsoft.com/office/powerpoint/2012/main"/>
+    </p:ext>
+  </p:extLst>
 </p:presentation>
 </file>
 
@@ -4883,7 +4888,7 @@
 <dgm:dataModel xmlns:dgm="http://schemas.openxmlformats.org/drawingml/2006/diagram" xmlns:a="http://schemas.openxmlformats.org/drawingml/2006/main">
   <dgm:ptLst>
     <dgm:pt modelId="{4920DF52-061E-4F3A-9B30-7124DE91B989}" type="doc">
-      <dgm:prSet loTypeId="urn:microsoft.com/office/officeart/2016/7/layout/LinearBlockProcessNumbered" loCatId="process" qsTypeId="urn:microsoft.com/office/officeart/2005/8/quickstyle/simple1" qsCatId="simple" csTypeId="urn:microsoft.com/office/officeart/2005/8/colors/colorful5" csCatId="colorful"/>
+      <dgm:prSet loTypeId="urn:microsoft.com/office/officeart/2016/7/layout/LinearBlockProcessNumbered" loCatId="process" qsTypeId="urn:microsoft.com/office/officeart/2005/8/quickstyle/simple1" qsCatId="simple" csTypeId="urn:microsoft.com/office/officeart/2005/8/colors/colorful5" csCatId="colorful" phldr="1"/>
       <dgm:spPr/>
       <dgm:t>
         <a:bodyPr/>
@@ -4901,8 +4906,8 @@
         <a:lstStyle/>
         <a:p>
           <a:r>
-            <a:rPr lang="en-US"/>
-            <a:t>Reading data from csv to pandas</a:t>
+            <a:rPr lang="en-US" dirty="0"/>
+            <a:t>Read data from csv to pandas</a:t>
           </a:r>
         </a:p>
       </dgm:t>
@@ -4940,8 +4945,8 @@
         <a:lstStyle/>
         <a:p>
           <a:r>
-            <a:rPr lang="en-US"/>
-            <a:t>Replacing category names with integers</a:t>
+            <a:rPr lang="en-US" dirty="0"/>
+            <a:t>Replace category names with integers</a:t>
           </a:r>
         </a:p>
       </dgm:t>
@@ -4979,8 +4984,8 @@
         <a:lstStyle/>
         <a:p>
           <a:r>
-            <a:rPr lang="en-US"/>
-            <a:t>Shuffling the dataset</a:t>
+            <a:rPr lang="en-US" dirty="0"/>
+            <a:t>Shuffle the dataset</a:t>
           </a:r>
         </a:p>
       </dgm:t>
@@ -5018,9 +5023,14 @@
         <a:lstStyle/>
         <a:p>
           <a:r>
-            <a:rPr lang="en-US"/>
-            <a:t>Transforming pandas to numpy</a:t>
+            <a:rPr lang="en-US" dirty="0"/>
+            <a:t>Transform pandas to </a:t>
           </a:r>
+          <a:r>
+            <a:rPr lang="en-US" dirty="0" err="1"/>
+            <a:t>numpy</a:t>
+          </a:r>
+          <a:endParaRPr lang="en-US" dirty="0"/>
         </a:p>
       </dgm:t>
     </dgm:pt>
@@ -5057,8 +5067,8 @@
         <a:lstStyle/>
         <a:p>
           <a:r>
-            <a:rPr lang="en-US"/>
-            <a:t>Making categorical variables from topic</a:t>
+            <a:rPr lang="en-US" dirty="0"/>
+            <a:t>Make categorical variables from topic</a:t>
           </a:r>
         </a:p>
       </dgm:t>
@@ -5096,8 +5106,8 @@
         <a:lstStyle/>
         <a:p>
           <a:r>
-            <a:rPr lang="en-US"/>
-            <a:t>Removing special characters</a:t>
+            <a:rPr lang="en-US" dirty="0"/>
+            <a:t>Remove special characters</a:t>
           </a:r>
         </a:p>
       </dgm:t>
@@ -5135,8 +5145,8 @@
         <a:lstStyle/>
         <a:p>
           <a:r>
-            <a:rPr lang="en-US"/>
-            <a:t>Removing suffixes</a:t>
+            <a:rPr lang="en-US" dirty="0"/>
+            <a:t>Remove suffixes</a:t>
           </a:r>
         </a:p>
       </dgm:t>
@@ -7201,8 +7211,8 @@
             <a:buNone/>
           </a:pPr>
           <a:r>
-            <a:rPr lang="en-US" sz="1200" kern="1200"/>
-            <a:t>Reading data from csv to pandas</a:t>
+            <a:rPr lang="en-US" sz="1200" kern="1200" dirty="0"/>
+            <a:t>Read data from csv to pandas</a:t>
           </a:r>
         </a:p>
       </dsp:txBody>
@@ -7344,8 +7354,8 @@
             <a:buNone/>
           </a:pPr>
           <a:r>
-            <a:rPr lang="en-US" sz="1200" kern="1200"/>
-            <a:t>Replacing category names with integers</a:t>
+            <a:rPr lang="en-US" sz="1200" kern="1200" dirty="0"/>
+            <a:t>Replace category names with integers</a:t>
           </a:r>
         </a:p>
       </dsp:txBody>
@@ -7487,8 +7497,8 @@
             <a:buNone/>
           </a:pPr>
           <a:r>
-            <a:rPr lang="en-US" sz="1200" kern="1200"/>
-            <a:t>Shuffling the dataset</a:t>
+            <a:rPr lang="en-US" sz="1200" kern="1200" dirty="0"/>
+            <a:t>Shuffle the dataset</a:t>
           </a:r>
         </a:p>
       </dsp:txBody>
@@ -7630,9 +7640,14 @@
             <a:buNone/>
           </a:pPr>
           <a:r>
-            <a:rPr lang="en-US" sz="1200" kern="1200"/>
-            <a:t>Transforming pandas to numpy</a:t>
+            <a:rPr lang="en-US" sz="1200" kern="1200" dirty="0"/>
+            <a:t>Transform pandas to </a:t>
           </a:r>
+          <a:r>
+            <a:rPr lang="en-US" sz="1200" kern="1200" dirty="0" err="1"/>
+            <a:t>numpy</a:t>
+          </a:r>
+          <a:endParaRPr lang="en-US" sz="1200" kern="1200" dirty="0"/>
         </a:p>
       </dsp:txBody>
       <dsp:txXfrm>
@@ -7773,8 +7788,8 @@
             <a:buNone/>
           </a:pPr>
           <a:r>
-            <a:rPr lang="en-US" sz="1200" kern="1200"/>
-            <a:t>Making categorical variables from topic</a:t>
+            <a:rPr lang="en-US" sz="1200" kern="1200" dirty="0"/>
+            <a:t>Make categorical variables from topic</a:t>
           </a:r>
         </a:p>
       </dsp:txBody>
@@ -7916,8 +7931,8 @@
             <a:buNone/>
           </a:pPr>
           <a:r>
-            <a:rPr lang="en-US" sz="1200" kern="1200"/>
-            <a:t>Removing special characters</a:t>
+            <a:rPr lang="en-US" sz="1200" kern="1200" dirty="0"/>
+            <a:t>Remove special characters</a:t>
           </a:r>
         </a:p>
       </dsp:txBody>
@@ -8059,8 +8074,8 @@
             <a:buNone/>
           </a:pPr>
           <a:r>
-            <a:rPr lang="en-US" sz="1200" kern="1200"/>
-            <a:t>Removing suffixes</a:t>
+            <a:rPr lang="en-US" sz="1200" kern="1200" dirty="0"/>
+            <a:t>Remove suffixes</a:t>
           </a:r>
         </a:p>
       </dsp:txBody>
@@ -32840,7 +32855,7 @@
             <p:ph idx="1"/>
             <p:extLst>
               <p:ext uri="{D42A27DB-BD31-4B8C-83A1-F6EECF244321}">
-                <p14:modId xmlns:p14="http://schemas.microsoft.com/office/powerpoint/2010/main" val="1113486339"/>
+                <p14:modId xmlns:p14="http://schemas.microsoft.com/office/powerpoint/2010/main" val="170976849"/>
               </p:ext>
             </p:extLst>
           </p:nvPr>
@@ -37102,20 +37117,20 @@
           <a:lstStyle/>
           <a:p>
             <a:r>
-              <a:rPr lang="en-US" sz="2400">
+              <a:rPr lang="en-US" sz="2400" dirty="0">
                 <a:solidFill>
                   <a:schemeClr val="bg1">
                     <a:alpha val="80000"/>
                   </a:schemeClr>
                 </a:solidFill>
               </a:rPr>
-              <a:t>Get some statistical data from dataset</a:t>
+              <a:t>Get some statistical data from the dataset</a:t>
             </a:r>
           </a:p>
           <a:p>
             <a:pPr lvl="1"/>
             <a:r>
-              <a:rPr lang="en-US">
+              <a:rPr lang="en-US" dirty="0">
                 <a:solidFill>
                   <a:schemeClr val="bg1">
                     <a:alpha val="80000"/>
@@ -37128,7 +37143,7 @@
           <a:p>
             <a:pPr lvl="1"/>
             <a:r>
-              <a:rPr lang="en-US">
+              <a:rPr lang="en-US" dirty="0">
                 <a:solidFill>
                   <a:schemeClr val="bg1">
                     <a:alpha val="80000"/>
@@ -37141,7 +37156,7 @@
           <a:p>
             <a:pPr lvl="1"/>
             <a:r>
-              <a:rPr lang="en-US">
+              <a:rPr lang="en-US" dirty="0">
                 <a:solidFill>
                   <a:schemeClr val="bg1">
                     <a:alpha val="80000"/>
